--- a/internals/fig/slide.pptx
+++ b/internals/fig/slide.pptx
@@ -243,7 +243,7 @@
           </a:lstStyle>
           <a:p>
             <a:fld id="{6B8D1B20-A248-FB47-8240-73C0C5F47C9D}" type="datetimeFigureOut">
-              <a:t>2021/10/6</a:t>
+              <a:t>2021/10/7</a:t>
             </a:fld>
             <a:endParaRPr kumimoji="1" lang="ja-JP" altLang="en-US"/>
           </a:p>
@@ -8726,14 +8726,14 @@
               <a:buChar char="•"/>
             </a:pPr>
             <a:r>
-              <a:rPr lang="en-US" sz="3600"/>
+              <a:rPr lang="en-US" sz="3600" dirty="0"/>
               <a:t>.git</a:t>
             </a:r>
             <a:r>
-              <a:rPr lang="ja-JP" altLang="en-US" sz="3600"/>
+              <a:rPr lang="ja-JP" altLang="en-US" sz="3600" dirty="0"/>
               <a:t>ディレクトリの中身</a:t>
             </a:r>
-            <a:endParaRPr lang="en-US" altLang="ja-JP" sz="3600"/>
+            <a:endParaRPr lang="en-US" altLang="ja-JP" sz="3600" dirty="0"/>
           </a:p>
           <a:p>
             <a:pPr marL="571500" indent="-571500">
@@ -8741,14 +8741,14 @@
               <a:buChar char="•"/>
             </a:pPr>
             <a:r>
-              <a:rPr lang="en-US" sz="3600"/>
+              <a:rPr lang="en-US" sz="3600" dirty="0"/>
               <a:t>Git</a:t>
             </a:r>
             <a:r>
-              <a:rPr lang="ja-JP" altLang="en-US" sz="3600"/>
+              <a:rPr lang="ja-JP" altLang="en-US" sz="3600" dirty="0"/>
               <a:t>のオブジェクト</a:t>
             </a:r>
-            <a:endParaRPr lang="en-US" altLang="ja-JP" sz="3600"/>
+            <a:endParaRPr lang="en-US" altLang="ja-JP" sz="3600" dirty="0"/>
           </a:p>
           <a:p>
             <a:pPr marL="571500" indent="-571500">
@@ -8756,10 +8756,14 @@
               <a:buChar char="•"/>
             </a:pPr>
             <a:r>
-              <a:rPr lang="ja-JP" altLang="en-US" sz="3600"/>
-              <a:t>ブランチの実装</a:t>
-            </a:r>
-            <a:endParaRPr lang="en-US" altLang="ja-JP" sz="3600"/>
+              <a:rPr lang="en-US" altLang="ja-JP" sz="3600" dirty="0"/>
+              <a:t>Git</a:t>
+            </a:r>
+            <a:r>
+              <a:rPr lang="ja-JP" altLang="en-US" sz="3600" dirty="0"/>
+              <a:t>の参照</a:t>
+            </a:r>
+            <a:endParaRPr lang="en-US" altLang="ja-JP" sz="3600" dirty="0"/>
           </a:p>
           <a:p>
             <a:pPr marL="571500" indent="-571500">
@@ -8767,10 +8771,10 @@
               <a:buChar char="•"/>
             </a:pPr>
             <a:r>
-              <a:rPr lang="ja-JP" altLang="en-US" sz="3600"/>
+              <a:rPr lang="ja-JP" altLang="en-US" sz="3600" dirty="0"/>
               <a:t>インデックス</a:t>
             </a:r>
-            <a:endParaRPr lang="en-US" sz="3600"/>
+            <a:endParaRPr lang="en-US" sz="3600" dirty="0"/>
           </a:p>
         </p:txBody>
       </p:sp>
@@ -23028,7 +23032,7 @@
         <p:spPr>
           <a:xfrm>
             <a:off x="323528" y="4221088"/>
-            <a:ext cx="7109639" cy="461665"/>
+            <a:ext cx="7707559" cy="461665"/>
           </a:xfrm>
           <a:prstGeom prst="rect">
             <a:avLst/>
@@ -23047,7 +23051,11 @@
             </a:r>
             <a:r>
               <a:rPr kumimoji="1" lang="en-US" altLang="ja-JP" sz="2400" dirty="0"/>
-              <a:t>.git/remotes</a:t>
+              <a:t>.git</a:t>
+            </a:r>
+            <a:r>
+              <a:rPr kumimoji="1" lang="en-US" altLang="ja-JP" sz="2400"/>
+              <a:t>/refs/remotes</a:t>
             </a:r>
             <a:r>
               <a:rPr kumimoji="1" lang="ja-JP" altLang="en-US" sz="2400" dirty="0"/>
@@ -39380,6 +39388,140 @@
           </a:p>
         </p:txBody>
       </p:sp>
+      <p:sp>
+        <p:nvSpPr>
+          <p:cNvPr id="3" name="四角形: 角を丸くする 2">
+            <a:extLst>
+              <a:ext uri="{FF2B5EF4-FFF2-40B4-BE49-F238E27FC236}">
+                <a16:creationId xmlns:a16="http://schemas.microsoft.com/office/drawing/2014/main" id="{509585E5-6166-4328-BCBF-6BB274A6626D}"/>
+              </a:ext>
+            </a:extLst>
+          </p:cNvPr>
+          <p:cNvSpPr/>
+          <p:nvPr/>
+        </p:nvSpPr>
+        <p:spPr>
+          <a:xfrm>
+            <a:off x="1673817" y="4221088"/>
+            <a:ext cx="233887" cy="335414"/>
+          </a:xfrm>
+          <a:prstGeom prst="roundRect">
+            <a:avLst/>
+          </a:prstGeom>
+          <a:noFill/>
+          <a:ln>
+            <a:solidFill>
+              <a:srgbClr val="FF0000"/>
+            </a:solidFill>
+          </a:ln>
+        </p:spPr>
+        <p:style>
+          <a:lnRef idx="2">
+            <a:schemeClr val="accent1">
+              <a:shade val="50000"/>
+            </a:schemeClr>
+          </a:lnRef>
+          <a:fillRef idx="1">
+            <a:schemeClr val="accent1"/>
+          </a:fillRef>
+          <a:effectRef idx="0">
+            <a:schemeClr val="accent1"/>
+          </a:effectRef>
+          <a:fontRef idx="minor">
+            <a:schemeClr val="lt1"/>
+          </a:fontRef>
+        </p:style>
+        <p:txBody>
+          <a:bodyPr rtlCol="0" anchor="ctr"/>
+          <a:lstStyle/>
+          <a:p>
+            <a:pPr algn="ctr"/>
+            <a:endParaRPr kumimoji="1" lang="ja-JP" altLang="en-US"/>
+          </a:p>
+        </p:txBody>
+      </p:sp>
+      <p:sp>
+        <p:nvSpPr>
+          <p:cNvPr id="22" name="テキスト ボックス 21">
+            <a:extLst>
+              <a:ext uri="{FF2B5EF4-FFF2-40B4-BE49-F238E27FC236}">
+                <a16:creationId xmlns:a16="http://schemas.microsoft.com/office/drawing/2014/main" id="{DB5CDB5C-723B-4E27-AE8A-F4D3AFEF4420}"/>
+              </a:ext>
+            </a:extLst>
+          </p:cNvPr>
+          <p:cNvSpPr txBox="1"/>
+          <p:nvPr/>
+        </p:nvSpPr>
+        <p:spPr>
+          <a:xfrm>
+            <a:off x="1999281" y="4943959"/>
+            <a:ext cx="1107996" cy="369332"/>
+          </a:xfrm>
+          <a:prstGeom prst="rect">
+            <a:avLst/>
+          </a:prstGeom>
+          <a:noFill/>
+        </p:spPr>
+        <p:txBody>
+          <a:bodyPr wrap="none" rtlCol="0">
+            <a:spAutoFit/>
+          </a:bodyPr>
+          <a:lstStyle/>
+          <a:p>
+            <a:r>
+              <a:rPr lang="ja-JP" altLang="en-US" dirty="0"/>
+              <a:t>ヌル文字</a:t>
+            </a:r>
+            <a:endParaRPr kumimoji="1" lang="ja-JP" altLang="en-US" dirty="0"/>
+          </a:p>
+        </p:txBody>
+      </p:sp>
+      <p:cxnSp>
+        <p:nvCxnSpPr>
+          <p:cNvPr id="24" name="コネクタ: カギ線 23">
+            <a:extLst>
+              <a:ext uri="{FF2B5EF4-FFF2-40B4-BE49-F238E27FC236}">
+                <a16:creationId xmlns:a16="http://schemas.microsoft.com/office/drawing/2014/main" id="{4B6E23A9-6C22-4BEF-B022-68D64879029C}"/>
+              </a:ext>
+            </a:extLst>
+          </p:cNvPr>
+          <p:cNvCxnSpPr>
+            <a:stCxn id="22" idx="1"/>
+            <a:endCxn id="3" idx="2"/>
+          </p:cNvCxnSpPr>
+          <p:nvPr/>
+        </p:nvCxnSpPr>
+        <p:spPr>
+          <a:xfrm rot="10800000">
+            <a:off x="1790761" y="4556503"/>
+            <a:ext cx="208520" cy="572123"/>
+          </a:xfrm>
+          <a:prstGeom prst="bentConnector2">
+            <a:avLst/>
+          </a:prstGeom>
+          <a:ln>
+            <a:solidFill>
+              <a:schemeClr val="tx1"/>
+            </a:solidFill>
+            <a:headEnd type="none" w="med" len="med"/>
+            <a:tailEnd type="triangle"/>
+          </a:ln>
+        </p:spPr>
+        <p:style>
+          <a:lnRef idx="1">
+            <a:schemeClr val="accent1"/>
+          </a:lnRef>
+          <a:fillRef idx="0">
+            <a:schemeClr val="accent1"/>
+          </a:fillRef>
+          <a:effectRef idx="0">
+            <a:schemeClr val="accent1"/>
+          </a:effectRef>
+          <a:fontRef idx="minor">
+            <a:schemeClr val="tx1"/>
+          </a:fontRef>
+        </p:style>
+      </p:cxnSp>
     </p:spTree>
     <p:extLst>
       <p:ext uri="{BB962C8B-B14F-4D97-AF65-F5344CB8AC3E}">

--- a/internals/fig/slide.pptx
+++ b/internals/fig/slide.pptx
@@ -243,7 +243,7 @@
           </a:lstStyle>
           <a:p>
             <a:fld id="{6B8D1B20-A248-FB47-8240-73C0C5F47C9D}" type="datetimeFigureOut">
-              <a:t>2021/10/7</a:t>
+              <a:t>2022/9/27</a:t>
             </a:fld>
             <a:endParaRPr kumimoji="1" lang="ja-JP" altLang="en-US"/>
           </a:p>
@@ -535,10 +535,54 @@
       </p:grpSpPr>
       <p:sp>
         <p:nvSpPr>
-          <p:cNvPr id="4" name="円/楕円 3">
-            <a:extLst>
-              <a:ext uri="{FF2B5EF4-FFF2-40B4-BE49-F238E27FC236}">
-                <a16:creationId xmlns:a16="http://schemas.microsoft.com/office/drawing/2014/main" id="{40BD511A-FE9E-B641-A323-1F2451D0C873}"/>
+          <p:cNvPr id="7" name="テキスト プレースホルダー 6">
+            <a:extLst>
+              <a:ext uri="{FF2B5EF4-FFF2-40B4-BE49-F238E27FC236}">
+                <a16:creationId xmlns:a16="http://schemas.microsoft.com/office/drawing/2014/main" id="{1977278B-6103-7448-8885-11FCA29D84A1}"/>
+              </a:ext>
+            </a:extLst>
+          </p:cNvPr>
+          <p:cNvSpPr>
+            <a:spLocks noGrp="1"/>
+          </p:cNvSpPr>
+          <p:nvPr>
+            <p:ph type="body" sz="quarter" idx="10"/>
+          </p:nvPr>
+        </p:nvSpPr>
+        <p:spPr>
+          <a:xfrm>
+            <a:off x="0" y="190133"/>
+            <a:ext cx="9144000" cy="754062"/>
+          </a:xfrm>
+          <a:prstGeom prst="rect">
+            <a:avLst/>
+          </a:prstGeom>
+        </p:spPr>
+        <p:txBody>
+          <a:bodyPr/>
+          <a:lstStyle>
+            <a:lvl1pPr marL="0" indent="0" algn="ctr">
+              <a:buNone/>
+              <a:defRPr sz="4000">
+                <a:ln>
+                  <a:solidFill>
+                    <a:srgbClr val="011893"/>
+                  </a:solidFill>
+                </a:ln>
+              </a:defRPr>
+            </a:lvl1pPr>
+          </a:lstStyle>
+          <a:p>
+            <a:endParaRPr kumimoji="1" lang="ja-JP" altLang="en-US"/>
+          </a:p>
+        </p:txBody>
+      </p:sp>
+      <p:sp>
+        <p:nvSpPr>
+          <p:cNvPr id="2" name="円/楕円 3">
+            <a:extLst>
+              <a:ext uri="{FF2B5EF4-FFF2-40B4-BE49-F238E27FC236}">
+                <a16:creationId xmlns:a16="http://schemas.microsoft.com/office/drawing/2014/main" id="{603E38D9-2E9C-BCA4-A725-F8B6B4C83A28}"/>
               </a:ext>
             </a:extLst>
           </p:cNvPr>
@@ -547,8 +591,8 @@
         </p:nvSpPr>
         <p:spPr>
           <a:xfrm>
-            <a:off x="8651631" y="6350558"/>
-            <a:ext cx="411982" cy="411982"/>
+            <a:off x="8497721" y="6230795"/>
+            <a:ext cx="531173" cy="531173"/>
           </a:xfrm>
           <a:prstGeom prst="ellipse">
             <a:avLst/>
@@ -596,10 +640,10 @@
       </p:sp>
       <p:sp>
         <p:nvSpPr>
-          <p:cNvPr id="5" name="テキスト ボックス 4">
-            <a:extLst>
-              <a:ext uri="{FF2B5EF4-FFF2-40B4-BE49-F238E27FC236}">
-                <a16:creationId xmlns:a16="http://schemas.microsoft.com/office/drawing/2014/main" id="{80A01A1C-B0C5-904D-963A-785848775F4A}"/>
+          <p:cNvPr id="3" name="テキスト ボックス 2">
+            <a:extLst>
+              <a:ext uri="{FF2B5EF4-FFF2-40B4-BE49-F238E27FC236}">
+                <a16:creationId xmlns:a16="http://schemas.microsoft.com/office/drawing/2014/main" id="{C7F20989-7208-E9F3-27CF-E18E02B429D6}"/>
               </a:ext>
             </a:extLst>
           </p:cNvPr>
@@ -608,7 +652,7 @@
         </p:nvSpPr>
         <p:spPr>
           <a:xfrm>
-            <a:off x="8661679" y="6400799"/>
+            <a:off x="8491428" y="6270575"/>
             <a:ext cx="401072" cy="307777"/>
           </a:xfrm>
           <a:prstGeom prst="rect">
@@ -628,51 +672,103 @@
               <a:pPr algn="ctr"/>
               <a:t>‹#›</a:t>
             </a:fld>
-            <a:endParaRPr kumimoji="1" lang="ja-JP" altLang="en-US" sz="1400"/>
-          </a:p>
-        </p:txBody>
-      </p:sp>
-      <p:sp>
-        <p:nvSpPr>
-          <p:cNvPr id="7" name="テキスト プレースホルダー 6">
-            <a:extLst>
-              <a:ext uri="{FF2B5EF4-FFF2-40B4-BE49-F238E27FC236}">
-                <a16:creationId xmlns:a16="http://schemas.microsoft.com/office/drawing/2014/main" id="{1977278B-6103-7448-8885-11FCA29D84A1}"/>
-              </a:ext>
-            </a:extLst>
-          </p:cNvPr>
-          <p:cNvSpPr>
-            <a:spLocks noGrp="1"/>
-          </p:cNvSpPr>
-          <p:nvPr>
-            <p:ph type="body" sz="quarter" idx="10"/>
-          </p:nvPr>
-        </p:nvSpPr>
-        <p:spPr>
-          <a:xfrm>
-            <a:off x="0" y="190133"/>
-            <a:ext cx="9144000" cy="754062"/>
-          </a:xfrm>
-          <a:prstGeom prst="rect">
-            <a:avLst/>
-          </a:prstGeom>
-        </p:spPr>
-        <p:txBody>
-          <a:bodyPr/>
-          <a:lstStyle>
-            <a:lvl1pPr marL="0" indent="0" algn="ctr">
-              <a:buNone/>
-              <a:defRPr sz="4000">
-                <a:ln>
-                  <a:solidFill>
-                    <a:srgbClr val="011893"/>
-                  </a:solidFill>
-                </a:ln>
-              </a:defRPr>
-            </a:lvl1pPr>
-          </a:lstStyle>
-          <a:p>
-            <a:endParaRPr kumimoji="1" lang="ja-JP" altLang="en-US"/>
+            <a:endParaRPr kumimoji="1" lang="ja-JP" altLang="en-US" sz="1400" dirty="0"/>
+          </a:p>
+        </p:txBody>
+      </p:sp>
+      <p:sp>
+        <p:nvSpPr>
+          <p:cNvPr id="6" name="弦 5">
+            <a:extLst>
+              <a:ext uri="{FF2B5EF4-FFF2-40B4-BE49-F238E27FC236}">
+                <a16:creationId xmlns:a16="http://schemas.microsoft.com/office/drawing/2014/main" id="{0952729C-03D2-E100-BA5A-3FD79B5D0AC4}"/>
+              </a:ext>
+            </a:extLst>
+          </p:cNvPr>
+          <p:cNvSpPr/>
+          <p:nvPr userDrawn="1"/>
+        </p:nvSpPr>
+        <p:spPr>
+          <a:xfrm rot="16200000">
+            <a:off x="8491626" y="6224701"/>
+            <a:ext cx="588253" cy="576063"/>
+          </a:xfrm>
+          <a:prstGeom prst="chord">
+            <a:avLst>
+              <a:gd name="adj1" fmla="val 2700000"/>
+              <a:gd name="adj2" fmla="val 14142403"/>
+            </a:avLst>
+          </a:prstGeom>
+          <a:solidFill>
+            <a:schemeClr val="bg1">
+              <a:lumMod val="65000"/>
+            </a:schemeClr>
+          </a:solidFill>
+          <a:ln>
+            <a:noFill/>
+          </a:ln>
+          <a:effectLst>
+            <a:softEdge rad="31750"/>
+          </a:effectLst>
+        </p:spPr>
+        <p:style>
+          <a:lnRef idx="2">
+            <a:schemeClr val="accent1">
+              <a:shade val="50000"/>
+            </a:schemeClr>
+          </a:lnRef>
+          <a:fillRef idx="1">
+            <a:schemeClr val="accent1"/>
+          </a:fillRef>
+          <a:effectRef idx="0">
+            <a:schemeClr val="accent1"/>
+          </a:effectRef>
+          <a:fontRef idx="minor">
+            <a:schemeClr val="lt1"/>
+          </a:fontRef>
+        </p:style>
+        <p:txBody>
+          <a:bodyPr rtlCol="0" anchor="ctr"/>
+          <a:lstStyle/>
+          <a:p>
+            <a:pPr algn="ctr"/>
+            <a:endParaRPr kumimoji="1" lang="ja-JP" altLang="en-US" dirty="0"/>
+          </a:p>
+        </p:txBody>
+      </p:sp>
+      <p:sp>
+        <p:nvSpPr>
+          <p:cNvPr id="8" name="テキスト ボックス 7">
+            <a:extLst>
+              <a:ext uri="{FF2B5EF4-FFF2-40B4-BE49-F238E27FC236}">
+                <a16:creationId xmlns:a16="http://schemas.microsoft.com/office/drawing/2014/main" id="{0AFE5948-91EE-BC01-7B40-CDE7A26C3AA2}"/>
+              </a:ext>
+            </a:extLst>
+          </p:cNvPr>
+          <p:cNvSpPr txBox="1"/>
+          <p:nvPr userDrawn="1"/>
+        </p:nvSpPr>
+        <p:spPr>
+          <a:xfrm>
+            <a:off x="8596070" y="6442913"/>
+            <a:ext cx="496310" cy="307777"/>
+          </a:xfrm>
+          <a:prstGeom prst="rect">
+            <a:avLst/>
+          </a:prstGeom>
+          <a:noFill/>
+        </p:spPr>
+        <p:txBody>
+          <a:bodyPr wrap="square" rtlCol="0">
+            <a:spAutoFit/>
+          </a:bodyPr>
+          <a:lstStyle/>
+          <a:p>
+            <a:pPr algn="ctr"/>
+            <a:r>
+              <a:rPr kumimoji="1" lang="en-US" altLang="ja-JP" sz="1400" dirty="0"/>
+              <a:t>37</a:t>
+            </a:r>
           </a:p>
         </p:txBody>
       </p:sp>
